--- a/Capstone_Project/Capstone Project Presetation - Pasan.pptx
+++ b/Capstone_Project/Capstone Project Presetation - Pasan.pptx
@@ -3286,7 +3286,7 @@
           <a:p>
             <a:fld id="{AF869721-F543-4A6C-BF9D-65D7CC540427}" type="datetimeFigureOut">
               <a:rPr lang="en-US" smtClean="0"/>
-              <a:t>11/22/2021</a:t>
+              <a:t>11/23/2021</a:t>
             </a:fld>
             <a:endParaRPr lang="en-US" dirty="0"/>
           </a:p>
@@ -3463,7 +3463,7 @@
           <a:p>
             <a:fld id="{C732326A-4C88-4AFB-AA5B-5919D81DFF5B}" type="datetimeFigureOut">
               <a:rPr lang="en-US" smtClean="0"/>
-              <a:t>11/22/2021</a:t>
+              <a:t>11/23/2021</a:t>
             </a:fld>
             <a:endParaRPr lang="en-US" dirty="0"/>
           </a:p>
@@ -4144,7 +4144,7 @@
             <a:fld id="{B61BEF0D-F0BB-DE4B-95CE-6DB70DBA9567}" type="datetimeFigureOut">
               <a:rPr lang="en-US" smtClean="0"/>
               <a:pPr/>
-              <a:t>11/22/2021</a:t>
+              <a:t>11/23/2021</a:t>
             </a:fld>
             <a:endParaRPr lang="en-US" dirty="0"/>
           </a:p>
@@ -4408,7 +4408,7 @@
             <a:fld id="{B61BEF0D-F0BB-DE4B-95CE-6DB70DBA9567}" type="datetimeFigureOut">
               <a:rPr lang="en-US" smtClean="0"/>
               <a:pPr/>
-              <a:t>11/22/2021</a:t>
+              <a:t>11/23/2021</a:t>
             </a:fld>
             <a:endParaRPr lang="en-US" dirty="0"/>
           </a:p>
@@ -4645,7 +4645,7 @@
             <a:fld id="{B61BEF0D-F0BB-DE4B-95CE-6DB70DBA9567}" type="datetimeFigureOut">
               <a:rPr lang="en-US" smtClean="0"/>
               <a:pPr/>
-              <a:t>11/22/2021</a:t>
+              <a:t>11/23/2021</a:t>
             </a:fld>
             <a:endParaRPr lang="en-US" dirty="0"/>
           </a:p>
@@ -4887,7 +4887,7 @@
             <a:fld id="{B61BEF0D-F0BB-DE4B-95CE-6DB70DBA9567}" type="datetimeFigureOut">
               <a:rPr lang="en-US" smtClean="0"/>
               <a:pPr/>
-              <a:t>11/22/2021</a:t>
+              <a:t>11/23/2021</a:t>
             </a:fld>
             <a:endParaRPr lang="en-US" dirty="0"/>
           </a:p>
@@ -5196,7 +5196,7 @@
             <a:fld id="{B61BEF0D-F0BB-DE4B-95CE-6DB70DBA9567}" type="datetimeFigureOut">
               <a:rPr lang="en-US" smtClean="0"/>
               <a:pPr/>
-              <a:t>11/22/2021</a:t>
+              <a:t>11/23/2021</a:t>
             </a:fld>
             <a:endParaRPr lang="en-US" dirty="0"/>
           </a:p>
@@ -5500,7 +5500,7 @@
             <a:fld id="{B61BEF0D-F0BB-DE4B-95CE-6DB70DBA9567}" type="datetimeFigureOut">
               <a:rPr lang="en-US" smtClean="0"/>
               <a:pPr/>
-              <a:t>11/22/2021</a:t>
+              <a:t>11/23/2021</a:t>
             </a:fld>
             <a:endParaRPr lang="en-US" dirty="0"/>
           </a:p>
@@ -5924,7 +5924,7 @@
             <a:fld id="{B61BEF0D-F0BB-DE4B-95CE-6DB70DBA9567}" type="datetimeFigureOut">
               <a:rPr lang="en-US" smtClean="0"/>
               <a:pPr/>
-              <a:t>11/22/2021</a:t>
+              <a:t>11/23/2021</a:t>
             </a:fld>
             <a:endParaRPr lang="en-US" dirty="0"/>
           </a:p>
@@ -6021,7 +6021,7 @@
             <a:fld id="{B61BEF0D-F0BB-DE4B-95CE-6DB70DBA9567}" type="datetimeFigureOut">
               <a:rPr lang="en-US" smtClean="0"/>
               <a:pPr/>
-              <a:t>11/22/2021</a:t>
+              <a:t>11/23/2021</a:t>
             </a:fld>
             <a:endParaRPr lang="en-US" dirty="0"/>
           </a:p>
@@ -6185,7 +6185,7 @@
             <a:fld id="{B61BEF0D-F0BB-DE4B-95CE-6DB70DBA9567}" type="datetimeFigureOut">
               <a:rPr lang="en-US" smtClean="0"/>
               <a:pPr/>
-              <a:t>11/22/2021</a:t>
+              <a:t>11/23/2021</a:t>
             </a:fld>
             <a:endParaRPr lang="en-US" dirty="0"/>
           </a:p>
@@ -6565,7 +6565,7 @@
             <a:fld id="{B61BEF0D-F0BB-DE4B-95CE-6DB70DBA9567}" type="datetimeFigureOut">
               <a:rPr lang="en-US" smtClean="0"/>
               <a:pPr/>
-              <a:t>11/22/2021</a:t>
+              <a:t>11/23/2021</a:t>
             </a:fld>
             <a:endParaRPr lang="en-US" dirty="0"/>
           </a:p>
@@ -6856,7 +6856,7 @@
             <a:fld id="{B61BEF0D-F0BB-DE4B-95CE-6DB70DBA9567}" type="datetimeFigureOut">
               <a:rPr lang="en-US" smtClean="0"/>
               <a:pPr/>
-              <a:t>11/22/2021</a:t>
+              <a:t>11/23/2021</a:t>
             </a:fld>
             <a:endParaRPr lang="en-US" dirty="0"/>
           </a:p>
@@ -7069,7 +7069,7 @@
             <a:fld id="{B61BEF0D-F0BB-DE4B-95CE-6DB70DBA9567}" type="datetimeFigureOut">
               <a:rPr lang="en-US" smtClean="0"/>
               <a:pPr/>
-              <a:t>11/22/2021</a:t>
+              <a:t>11/23/2021</a:t>
             </a:fld>
             <a:endParaRPr lang="en-US" dirty="0"/>
           </a:p>
@@ -10733,7 +10733,7 @@
           </p:nvPr>
         </p:nvPicPr>
         <p:blipFill rotWithShape="1">
-          <a:blip r:embed="rId3"/>
+          <a:blip r:embed="rId2"/>
           <a:srcRect b="20812"/>
           <a:stretch/>
         </p:blipFill>
